--- a/착수보고서/머신러닝을 사용한 즉석에서 알려주는 인공지능.pptx
+++ b/착수보고서/머신러닝을 사용한 즉석에서 알려주는 인공지능.pptx
@@ -110,6 +110,11 @@
       </a:defRPr>
     </a:lvl9pPr>
   </p:defaultTextStyle>
+  <p:extLst>
+    <p:ext uri="{EFAFB233-063F-42B5-8137-9DF3F51BA10A}">
+      <p15:sldGuideLst xmlns:p15="http://schemas.microsoft.com/office/powerpoint/2012/main"/>
+    </p:ext>
+  </p:extLst>
 </p:presentation>
 </file>
 
@@ -262,7 +267,7 @@
           <a:p>
             <a:fld id="{2406F6F8-A92A-4B59-A56C-7A77D98F1D11}" type="datetimeFigureOut">
               <a:rPr lang="en-US" smtClean="0"/>
-              <a:t>4/6/2020</a:t>
+              <a:t>4/7/2020</a:t>
             </a:fld>
             <a:endParaRPr lang="en-US"/>
           </a:p>
@@ -462,7 +467,7 @@
           <a:p>
             <a:fld id="{2406F6F8-A92A-4B59-A56C-7A77D98F1D11}" type="datetimeFigureOut">
               <a:rPr lang="en-US" smtClean="0"/>
-              <a:t>4/6/2020</a:t>
+              <a:t>4/7/2020</a:t>
             </a:fld>
             <a:endParaRPr lang="en-US"/>
           </a:p>
@@ -672,7 +677,7 @@
           <a:p>
             <a:fld id="{2406F6F8-A92A-4B59-A56C-7A77D98F1D11}" type="datetimeFigureOut">
               <a:rPr lang="en-US" smtClean="0"/>
-              <a:t>4/6/2020</a:t>
+              <a:t>4/7/2020</a:t>
             </a:fld>
             <a:endParaRPr lang="en-US"/>
           </a:p>
@@ -872,7 +877,7 @@
           <a:p>
             <a:fld id="{2406F6F8-A92A-4B59-A56C-7A77D98F1D11}" type="datetimeFigureOut">
               <a:rPr lang="en-US" smtClean="0"/>
-              <a:t>4/6/2020</a:t>
+              <a:t>4/7/2020</a:t>
             </a:fld>
             <a:endParaRPr lang="en-US"/>
           </a:p>
@@ -1148,7 +1153,7 @@
           <a:p>
             <a:fld id="{2406F6F8-A92A-4B59-A56C-7A77D98F1D11}" type="datetimeFigureOut">
               <a:rPr lang="en-US" smtClean="0"/>
-              <a:t>4/6/2020</a:t>
+              <a:t>4/7/2020</a:t>
             </a:fld>
             <a:endParaRPr lang="en-US"/>
           </a:p>
@@ -1416,7 +1421,7 @@
           <a:p>
             <a:fld id="{2406F6F8-A92A-4B59-A56C-7A77D98F1D11}" type="datetimeFigureOut">
               <a:rPr lang="en-US" smtClean="0"/>
-              <a:t>4/6/2020</a:t>
+              <a:t>4/7/2020</a:t>
             </a:fld>
             <a:endParaRPr lang="en-US"/>
           </a:p>
@@ -1831,7 +1836,7 @@
           <a:p>
             <a:fld id="{2406F6F8-A92A-4B59-A56C-7A77D98F1D11}" type="datetimeFigureOut">
               <a:rPr lang="en-US" smtClean="0"/>
-              <a:t>4/6/2020</a:t>
+              <a:t>4/7/2020</a:t>
             </a:fld>
             <a:endParaRPr lang="en-US"/>
           </a:p>
@@ -1973,7 +1978,7 @@
           <a:p>
             <a:fld id="{2406F6F8-A92A-4B59-A56C-7A77D98F1D11}" type="datetimeFigureOut">
               <a:rPr lang="en-US" smtClean="0"/>
-              <a:t>4/6/2020</a:t>
+              <a:t>4/7/2020</a:t>
             </a:fld>
             <a:endParaRPr lang="en-US"/>
           </a:p>
@@ -2086,7 +2091,7 @@
           <a:p>
             <a:fld id="{2406F6F8-A92A-4B59-A56C-7A77D98F1D11}" type="datetimeFigureOut">
               <a:rPr lang="en-US" smtClean="0"/>
-              <a:t>4/6/2020</a:t>
+              <a:t>4/7/2020</a:t>
             </a:fld>
             <a:endParaRPr lang="en-US"/>
           </a:p>
@@ -2399,7 +2404,7 @@
           <a:p>
             <a:fld id="{2406F6F8-A92A-4B59-A56C-7A77D98F1D11}" type="datetimeFigureOut">
               <a:rPr lang="en-US" smtClean="0"/>
-              <a:t>4/6/2020</a:t>
+              <a:t>4/7/2020</a:t>
             </a:fld>
             <a:endParaRPr lang="en-US"/>
           </a:p>
@@ -2688,7 +2693,7 @@
           <a:p>
             <a:fld id="{2406F6F8-A92A-4B59-A56C-7A77D98F1D11}" type="datetimeFigureOut">
               <a:rPr lang="en-US" smtClean="0"/>
-              <a:t>4/6/2020</a:t>
+              <a:t>4/7/2020</a:t>
             </a:fld>
             <a:endParaRPr lang="en-US"/>
           </a:p>
@@ -2931,7 +2936,7 @@
           <a:p>
             <a:fld id="{2406F6F8-A92A-4B59-A56C-7A77D98F1D11}" type="datetimeFigureOut">
               <a:rPr lang="en-US" smtClean="0"/>
-              <a:t>4/6/2020</a:t>
+              <a:t>4/7/2020</a:t>
             </a:fld>
             <a:endParaRPr lang="en-US"/>
           </a:p>
@@ -3433,25 +3438,50 @@
             </a:r>
             <a:r>
               <a:rPr lang="ko-KR" altLang="en-US" sz="1500" dirty="0"/>
-              <a:t>조 </a:t>
-            </a:r>
-            <a:endParaRPr lang="en-US" altLang="ko-KR" sz="1500" dirty="0"/>
-          </a:p>
-          <a:p>
-            <a:pPr algn="l"/>
+              <a:t>조 발표자</a:t>
+            </a:r>
+            <a:r>
+              <a:rPr lang="en-US" altLang="ko-KR" sz="1500" dirty="0"/>
+              <a:t>: </a:t>
+            </a:r>
             <a:r>
               <a:rPr lang="ko-KR" altLang="en-US" sz="1500" dirty="0" err="1"/>
               <a:t>김승윤</a:t>
             </a:r>
-            <a:endParaRPr lang="en-US" altLang="ko-KR" sz="1500" dirty="0"/>
+            <a:r>
+              <a:rPr lang="ko-KR" altLang="en-US" sz="1500" dirty="0"/>
+              <a:t> </a:t>
+            </a:r>
+            <a:r>
+              <a:rPr lang="en-US" altLang="ko-KR" sz="1500" dirty="0"/>
+              <a:t>201428131</a:t>
+            </a:r>
           </a:p>
           <a:p>
             <a:pPr algn="l"/>
             <a:r>
               <a:rPr lang="ko-KR" altLang="en-US" sz="1500" dirty="0"/>
-              <a:t>김도형</a:t>
-            </a:r>
-            <a:endParaRPr lang="en-US" altLang="ko-KR" sz="1500" dirty="0"/>
+              <a:t>김도형 </a:t>
+            </a:r>
+            <a:r>
+              <a:rPr lang="en-US" altLang="ko-KR" sz="1500" dirty="0"/>
+              <a:t>201624419</a:t>
+            </a:r>
+          </a:p>
+          <a:p>
+            <a:pPr algn="l"/>
+            <a:r>
+              <a:rPr lang="ko-KR" altLang="en-US" sz="1500" dirty="0" err="1"/>
+              <a:t>김승윤</a:t>
+            </a:r>
+            <a:r>
+              <a:rPr lang="ko-KR" altLang="en-US" sz="1500" dirty="0"/>
+              <a:t> </a:t>
+            </a:r>
+            <a:r>
+              <a:rPr lang="en-US" altLang="ko-KR" sz="1500" dirty="0"/>
+              <a:t>201428131 </a:t>
+            </a:r>
           </a:p>
           <a:p>
             <a:pPr algn="l"/>
@@ -4315,7 +4345,7 @@
         </p:nvSpPr>
         <p:spPr>
           <a:xfrm>
-            <a:off x="1651745" y="4287183"/>
+            <a:off x="1746995" y="4332428"/>
             <a:ext cx="1880347" cy="565990"/>
           </a:xfrm>
           <a:prstGeom prst="rect">
@@ -4563,6 +4593,42 @@
           </a:p>
         </p:txBody>
       </p:sp>
+      <p:pic>
+        <p:nvPicPr>
+          <p:cNvPr id="4" name="그림 3" descr="전자기기, 컴퓨터이(가) 표시된 사진&#10;&#10;자동 생성된 설명">
+            <a:extLst>
+              <a:ext uri="{FF2B5EF4-FFF2-40B4-BE49-F238E27FC236}">
+                <a16:creationId xmlns:a16="http://schemas.microsoft.com/office/drawing/2014/main" id="{72209C8C-6724-485A-A988-E91892BCC225}"/>
+              </a:ext>
+            </a:extLst>
+          </p:cNvPr>
+          <p:cNvPicPr>
+            <a:picLocks noChangeAspect="1"/>
+          </p:cNvPicPr>
+          <p:nvPr/>
+        </p:nvPicPr>
+        <p:blipFill>
+          <a:blip r:embed="rId2">
+            <a:extLst>
+              <a:ext uri="{28A0092B-C50C-407E-A947-70E740481C1C}">
+                <a14:useLocalDpi xmlns:a14="http://schemas.microsoft.com/office/drawing/2010/main" val="0"/>
+              </a:ext>
+            </a:extLst>
+          </a:blip>
+          <a:stretch>
+            <a:fillRect/>
+          </a:stretch>
+        </p:blipFill>
+        <p:spPr>
+          <a:xfrm>
+            <a:off x="831939" y="1632275"/>
+            <a:ext cx="2700153" cy="2700153"/>
+          </a:xfrm>
+          <a:prstGeom prst="rect">
+            <a:avLst/>
+          </a:prstGeom>
+        </p:spPr>
+      </p:pic>
     </p:spTree>
     <p:extLst>
       <p:ext uri="{BB962C8B-B14F-4D97-AF65-F5344CB8AC3E}">
@@ -4989,6 +5055,42 @@
           </a:p>
         </p:txBody>
       </p:sp>
+      <p:pic>
+        <p:nvPicPr>
+          <p:cNvPr id="4" name="그림 3" descr="그리기, 테이블이(가) 표시된 사진&#10;&#10;자동 생성된 설명">
+            <a:extLst>
+              <a:ext uri="{FF2B5EF4-FFF2-40B4-BE49-F238E27FC236}">
+                <a16:creationId xmlns:a16="http://schemas.microsoft.com/office/drawing/2014/main" id="{EF8995F3-F587-4B1A-AAAA-317BA3E4DDEC}"/>
+              </a:ext>
+            </a:extLst>
+          </p:cNvPr>
+          <p:cNvPicPr>
+            <a:picLocks noChangeAspect="1"/>
+          </p:cNvPicPr>
+          <p:nvPr/>
+        </p:nvPicPr>
+        <p:blipFill>
+          <a:blip r:embed="rId2">
+            <a:extLst>
+              <a:ext uri="{28A0092B-C50C-407E-A947-70E740481C1C}">
+                <a14:useLocalDpi xmlns:a14="http://schemas.microsoft.com/office/drawing/2010/main" val="0"/>
+              </a:ext>
+            </a:extLst>
+          </a:blip>
+          <a:stretch>
+            <a:fillRect/>
+          </a:stretch>
+        </p:blipFill>
+        <p:spPr>
+          <a:xfrm>
+            <a:off x="1290239" y="2468889"/>
+            <a:ext cx="2603358" cy="1581150"/>
+          </a:xfrm>
+          <a:prstGeom prst="rect">
+            <a:avLst/>
+          </a:prstGeom>
+        </p:spPr>
+      </p:pic>
     </p:spTree>
     <p:extLst>
       <p:ext uri="{BB962C8B-B14F-4D97-AF65-F5344CB8AC3E}">
@@ -5238,6 +5340,42 @@
           </a:p>
         </p:txBody>
       </p:sp>
+      <p:pic>
+        <p:nvPicPr>
+          <p:cNvPr id="4" name="그림 3" descr="그리기, 테이블이(가) 표시된 사진&#10;&#10;자동 생성된 설명">
+            <a:extLst>
+              <a:ext uri="{FF2B5EF4-FFF2-40B4-BE49-F238E27FC236}">
+                <a16:creationId xmlns:a16="http://schemas.microsoft.com/office/drawing/2014/main" id="{A840AA6A-9936-4BE3-A2D1-3FE44E108701}"/>
+              </a:ext>
+            </a:extLst>
+          </p:cNvPr>
+          <p:cNvPicPr>
+            <a:picLocks noChangeAspect="1"/>
+          </p:cNvPicPr>
+          <p:nvPr/>
+        </p:nvPicPr>
+        <p:blipFill>
+          <a:blip r:embed="rId2">
+            <a:extLst>
+              <a:ext uri="{28A0092B-C50C-407E-A947-70E740481C1C}">
+                <a14:useLocalDpi xmlns:a14="http://schemas.microsoft.com/office/drawing/2010/main" val="0"/>
+              </a:ext>
+            </a:extLst>
+          </a:blip>
+          <a:stretch>
+            <a:fillRect/>
+          </a:stretch>
+        </p:blipFill>
+        <p:spPr>
+          <a:xfrm>
+            <a:off x="630682" y="1983254"/>
+            <a:ext cx="3986142" cy="2242205"/>
+          </a:xfrm>
+          <a:prstGeom prst="rect">
+            <a:avLst/>
+          </a:prstGeom>
+        </p:spPr>
+      </p:pic>
     </p:spTree>
     <p:extLst>
       <p:ext uri="{BB962C8B-B14F-4D97-AF65-F5344CB8AC3E}">
